--- a/ppt 16-9/1108.耶和华是爱.pptx
+++ b/ppt 16-9/1108.耶和华是爱.pptx
@@ -5,7 +5,7 @@
     <p:sldMasterId id="2147483648" r:id="rId1"/>
   </p:sldMasterIdLst>
   <p:sldIdLst>
-    <p:sldId id="578" r:id="rId2"/>
+    <p:sldId id="580" r:id="rId2"/>
   </p:sldIdLst>
   <p:sldSz cx="12192000" cy="6858000"/>
   <p:notesSz cx="6858000" cy="9144000"/>
@@ -129,7 +129,7 @@
           <p:cNvPr id="2" name="标题 1">
             <a:extLst>
               <a:ext uri="{FF2B5EF4-FFF2-40B4-BE49-F238E27FC236}">
-                <a16:creationId xmlns:a16="http://schemas.microsoft.com/office/drawing/2014/main" id="{E83C769A-5E1C-47EF-A9DC-1AC207DF2C84}"/>
+                <a16:creationId xmlns:a16="http://schemas.microsoft.com/office/drawing/2014/main" id="{80759D58-30BD-B89A-8A9E-4F0EB486EC03}"/>
               </a:ext>
             </a:extLst>
           </p:cNvPr>
@@ -166,7 +166,7 @@
           <p:cNvPr id="3" name="副标题 2">
             <a:extLst>
               <a:ext uri="{FF2B5EF4-FFF2-40B4-BE49-F238E27FC236}">
-                <a16:creationId xmlns:a16="http://schemas.microsoft.com/office/drawing/2014/main" id="{74DE44C6-61D5-44F9-5E8D-F47F9352F093}"/>
+                <a16:creationId xmlns:a16="http://schemas.microsoft.com/office/drawing/2014/main" id="{58D57B7F-B600-1662-03E9-0FB0E630FE65}"/>
               </a:ext>
             </a:extLst>
           </p:cNvPr>
@@ -236,7 +236,7 @@
           <p:cNvPr id="4" name="日期占位符 3">
             <a:extLst>
               <a:ext uri="{FF2B5EF4-FFF2-40B4-BE49-F238E27FC236}">
-                <a16:creationId xmlns:a16="http://schemas.microsoft.com/office/drawing/2014/main" id="{9E66B832-85C7-C024-E2F1-3BD40222796C}"/>
+                <a16:creationId xmlns:a16="http://schemas.microsoft.com/office/drawing/2014/main" id="{798905C2-B277-B607-79DF-771E965B2D83}"/>
               </a:ext>
             </a:extLst>
           </p:cNvPr>
@@ -252,7 +252,7 @@
           <a:bodyPr/>
           <a:lstStyle/>
           <a:p>
-            <a:fld id="{8A73149B-9CE7-4E39-A719-0D14706CA1D3}" type="datetimeFigureOut">
+            <a:fld id="{E5D10402-B957-44EA-95E7-B5E1A12C4D33}" type="datetimeFigureOut">
               <a:rPr lang="zh-CN" altLang="en-US" smtClean="0"/>
               <a:t>2024/3/10</a:t>
             </a:fld>
@@ -265,7 +265,7 @@
           <p:cNvPr id="5" name="页脚占位符 4">
             <a:extLst>
               <a:ext uri="{FF2B5EF4-FFF2-40B4-BE49-F238E27FC236}">
-                <a16:creationId xmlns:a16="http://schemas.microsoft.com/office/drawing/2014/main" id="{82821CD8-D9E8-1977-7D9E-BAEE0D176F66}"/>
+                <a16:creationId xmlns:a16="http://schemas.microsoft.com/office/drawing/2014/main" id="{01C235D8-8969-23E7-245C-61EA688ADB40}"/>
               </a:ext>
             </a:extLst>
           </p:cNvPr>
@@ -290,7 +290,7 @@
           <p:cNvPr id="6" name="灯片编号占位符 5">
             <a:extLst>
               <a:ext uri="{FF2B5EF4-FFF2-40B4-BE49-F238E27FC236}">
-                <a16:creationId xmlns:a16="http://schemas.microsoft.com/office/drawing/2014/main" id="{3E6998F3-20F0-20DA-E562-51B7358867D1}"/>
+                <a16:creationId xmlns:a16="http://schemas.microsoft.com/office/drawing/2014/main" id="{074C3261-248B-901C-5EBA-BA8576E0B641}"/>
               </a:ext>
             </a:extLst>
           </p:cNvPr>
@@ -306,7 +306,7 @@
           <a:bodyPr/>
           <a:lstStyle/>
           <a:p>
-            <a:fld id="{8FAD8A3E-21BE-4F07-AB62-2336E14253E9}" type="slidenum">
+            <a:fld id="{D56EB02C-DDCB-4584-BCCC-3DFD7E955898}" type="slidenum">
               <a:rPr lang="zh-CN" altLang="en-US" smtClean="0"/>
               <a:t>‹#›</a:t>
             </a:fld>
@@ -317,7 +317,7 @@
     </p:spTree>
     <p:extLst>
       <p:ext uri="{BB962C8B-B14F-4D97-AF65-F5344CB8AC3E}">
-        <p14:creationId xmlns:p14="http://schemas.microsoft.com/office/powerpoint/2010/main" val="4121471978"/>
+        <p14:creationId xmlns:p14="http://schemas.microsoft.com/office/powerpoint/2010/main" val="987993752"/>
       </p:ext>
     </p:extLst>
   </p:cSld>
@@ -349,7 +349,7 @@
           <p:cNvPr id="2" name="标题 1">
             <a:extLst>
               <a:ext uri="{FF2B5EF4-FFF2-40B4-BE49-F238E27FC236}">
-                <a16:creationId xmlns:a16="http://schemas.microsoft.com/office/drawing/2014/main" id="{26C8D044-DF32-F8CF-2BB9-EF3F9B89E4F8}"/>
+                <a16:creationId xmlns:a16="http://schemas.microsoft.com/office/drawing/2014/main" id="{06C55091-B3E4-6502-F998-AF0DDDC994CA}"/>
               </a:ext>
             </a:extLst>
           </p:cNvPr>
@@ -377,7 +377,7 @@
           <p:cNvPr id="3" name="竖排文字占位符 2">
             <a:extLst>
               <a:ext uri="{FF2B5EF4-FFF2-40B4-BE49-F238E27FC236}">
-                <a16:creationId xmlns:a16="http://schemas.microsoft.com/office/drawing/2014/main" id="{C2BC3DAA-9EFA-F0C4-862F-21FDAB6C1FBC}"/>
+                <a16:creationId xmlns:a16="http://schemas.microsoft.com/office/drawing/2014/main" id="{1E052B4E-5B23-E805-7B25-8802B17E0C51}"/>
               </a:ext>
             </a:extLst>
           </p:cNvPr>
@@ -434,7 +434,7 @@
           <p:cNvPr id="4" name="日期占位符 3">
             <a:extLst>
               <a:ext uri="{FF2B5EF4-FFF2-40B4-BE49-F238E27FC236}">
-                <a16:creationId xmlns:a16="http://schemas.microsoft.com/office/drawing/2014/main" id="{D0A777CA-E342-6D11-BE47-3B72A432C092}"/>
+                <a16:creationId xmlns:a16="http://schemas.microsoft.com/office/drawing/2014/main" id="{DBA064FD-E348-37F1-5900-9249AF74F203}"/>
               </a:ext>
             </a:extLst>
           </p:cNvPr>
@@ -450,7 +450,7 @@
           <a:bodyPr/>
           <a:lstStyle/>
           <a:p>
-            <a:fld id="{8A73149B-9CE7-4E39-A719-0D14706CA1D3}" type="datetimeFigureOut">
+            <a:fld id="{E5D10402-B957-44EA-95E7-B5E1A12C4D33}" type="datetimeFigureOut">
               <a:rPr lang="zh-CN" altLang="en-US" smtClean="0"/>
               <a:t>2024/3/10</a:t>
             </a:fld>
@@ -463,7 +463,7 @@
           <p:cNvPr id="5" name="页脚占位符 4">
             <a:extLst>
               <a:ext uri="{FF2B5EF4-FFF2-40B4-BE49-F238E27FC236}">
-                <a16:creationId xmlns:a16="http://schemas.microsoft.com/office/drawing/2014/main" id="{D0593F23-3C3E-9F50-1F64-DB1785B78C9F}"/>
+                <a16:creationId xmlns:a16="http://schemas.microsoft.com/office/drawing/2014/main" id="{070E4CE9-1384-445F-CB4B-9B7FADFB50AB}"/>
               </a:ext>
             </a:extLst>
           </p:cNvPr>
@@ -488,7 +488,7 @@
           <p:cNvPr id="6" name="灯片编号占位符 5">
             <a:extLst>
               <a:ext uri="{FF2B5EF4-FFF2-40B4-BE49-F238E27FC236}">
-                <a16:creationId xmlns:a16="http://schemas.microsoft.com/office/drawing/2014/main" id="{7578358B-A24D-F850-9694-17FEB5B9CC04}"/>
+                <a16:creationId xmlns:a16="http://schemas.microsoft.com/office/drawing/2014/main" id="{D87C62CB-1CE3-F4EA-2F24-5078E8A4B566}"/>
               </a:ext>
             </a:extLst>
           </p:cNvPr>
@@ -504,7 +504,7 @@
           <a:bodyPr/>
           <a:lstStyle/>
           <a:p>
-            <a:fld id="{8FAD8A3E-21BE-4F07-AB62-2336E14253E9}" type="slidenum">
+            <a:fld id="{D56EB02C-DDCB-4584-BCCC-3DFD7E955898}" type="slidenum">
               <a:rPr lang="zh-CN" altLang="en-US" smtClean="0"/>
               <a:t>‹#›</a:t>
             </a:fld>
@@ -515,7 +515,7 @@
     </p:spTree>
     <p:extLst>
       <p:ext uri="{BB962C8B-B14F-4D97-AF65-F5344CB8AC3E}">
-        <p14:creationId xmlns:p14="http://schemas.microsoft.com/office/powerpoint/2010/main" val="3665427601"/>
+        <p14:creationId xmlns:p14="http://schemas.microsoft.com/office/powerpoint/2010/main" val="37803730"/>
       </p:ext>
     </p:extLst>
   </p:cSld>
@@ -547,7 +547,7 @@
           <p:cNvPr id="2" name="竖排标题 1">
             <a:extLst>
               <a:ext uri="{FF2B5EF4-FFF2-40B4-BE49-F238E27FC236}">
-                <a16:creationId xmlns:a16="http://schemas.microsoft.com/office/drawing/2014/main" id="{78999B6C-D64E-C6FE-89D8-0B25711BA1B1}"/>
+                <a16:creationId xmlns:a16="http://schemas.microsoft.com/office/drawing/2014/main" id="{B9410395-FD9D-2B86-3A7C-172CD90EF2E4}"/>
               </a:ext>
             </a:extLst>
           </p:cNvPr>
@@ -580,7 +580,7 @@
           <p:cNvPr id="3" name="竖排文字占位符 2">
             <a:extLst>
               <a:ext uri="{FF2B5EF4-FFF2-40B4-BE49-F238E27FC236}">
-                <a16:creationId xmlns:a16="http://schemas.microsoft.com/office/drawing/2014/main" id="{6A6DEDE8-3DD0-11DE-4FAA-FB101B7FD208}"/>
+                <a16:creationId xmlns:a16="http://schemas.microsoft.com/office/drawing/2014/main" id="{FCCCE235-E0F5-AE82-6F4B-B233EF93228B}"/>
               </a:ext>
             </a:extLst>
           </p:cNvPr>
@@ -642,7 +642,7 @@
           <p:cNvPr id="4" name="日期占位符 3">
             <a:extLst>
               <a:ext uri="{FF2B5EF4-FFF2-40B4-BE49-F238E27FC236}">
-                <a16:creationId xmlns:a16="http://schemas.microsoft.com/office/drawing/2014/main" id="{F5070014-944C-FDE1-D84D-C0ACBFA5252F}"/>
+                <a16:creationId xmlns:a16="http://schemas.microsoft.com/office/drawing/2014/main" id="{75DD7547-059F-C10E-E534-8AC2C555ED10}"/>
               </a:ext>
             </a:extLst>
           </p:cNvPr>
@@ -658,7 +658,7 @@
           <a:bodyPr/>
           <a:lstStyle/>
           <a:p>
-            <a:fld id="{8A73149B-9CE7-4E39-A719-0D14706CA1D3}" type="datetimeFigureOut">
+            <a:fld id="{E5D10402-B957-44EA-95E7-B5E1A12C4D33}" type="datetimeFigureOut">
               <a:rPr lang="zh-CN" altLang="en-US" smtClean="0"/>
               <a:t>2024/3/10</a:t>
             </a:fld>
@@ -671,7 +671,7 @@
           <p:cNvPr id="5" name="页脚占位符 4">
             <a:extLst>
               <a:ext uri="{FF2B5EF4-FFF2-40B4-BE49-F238E27FC236}">
-                <a16:creationId xmlns:a16="http://schemas.microsoft.com/office/drawing/2014/main" id="{7C104825-0D2A-B859-D08C-04C5D0C30D50}"/>
+                <a16:creationId xmlns:a16="http://schemas.microsoft.com/office/drawing/2014/main" id="{C3C77319-4417-4E27-069A-825CE9F4564D}"/>
               </a:ext>
             </a:extLst>
           </p:cNvPr>
@@ -696,7 +696,7 @@
           <p:cNvPr id="6" name="灯片编号占位符 5">
             <a:extLst>
               <a:ext uri="{FF2B5EF4-FFF2-40B4-BE49-F238E27FC236}">
-                <a16:creationId xmlns:a16="http://schemas.microsoft.com/office/drawing/2014/main" id="{C02322B2-17EC-375B-E59A-44CBC5420BCA}"/>
+                <a16:creationId xmlns:a16="http://schemas.microsoft.com/office/drawing/2014/main" id="{069A7886-2C7C-3770-61E6-B156E02F4690}"/>
               </a:ext>
             </a:extLst>
           </p:cNvPr>
@@ -712,7 +712,7 @@
           <a:bodyPr/>
           <a:lstStyle/>
           <a:p>
-            <a:fld id="{8FAD8A3E-21BE-4F07-AB62-2336E14253E9}" type="slidenum">
+            <a:fld id="{D56EB02C-DDCB-4584-BCCC-3DFD7E955898}" type="slidenum">
               <a:rPr lang="zh-CN" altLang="en-US" smtClean="0"/>
               <a:t>‹#›</a:t>
             </a:fld>
@@ -723,7 +723,7 @@
     </p:spTree>
     <p:extLst>
       <p:ext uri="{BB962C8B-B14F-4D97-AF65-F5344CB8AC3E}">
-        <p14:creationId xmlns:p14="http://schemas.microsoft.com/office/powerpoint/2010/main" val="1666639670"/>
+        <p14:creationId xmlns:p14="http://schemas.microsoft.com/office/powerpoint/2010/main" val="939134018"/>
       </p:ext>
     </p:extLst>
   </p:cSld>
@@ -755,7 +755,7 @@
           <p:cNvPr id="2" name="标题 1">
             <a:extLst>
               <a:ext uri="{FF2B5EF4-FFF2-40B4-BE49-F238E27FC236}">
-                <a16:creationId xmlns:a16="http://schemas.microsoft.com/office/drawing/2014/main" id="{92847783-9A51-216F-E858-7EC7FE6B086E}"/>
+                <a16:creationId xmlns:a16="http://schemas.microsoft.com/office/drawing/2014/main" id="{D7CCB143-BF91-8354-0DC8-4F91663DB3BF}"/>
               </a:ext>
             </a:extLst>
           </p:cNvPr>
@@ -783,7 +783,7 @@
           <p:cNvPr id="3" name="内容占位符 2">
             <a:extLst>
               <a:ext uri="{FF2B5EF4-FFF2-40B4-BE49-F238E27FC236}">
-                <a16:creationId xmlns:a16="http://schemas.microsoft.com/office/drawing/2014/main" id="{5431C9B5-8798-A0BF-9AD9-0E9E62F1067E}"/>
+                <a16:creationId xmlns:a16="http://schemas.microsoft.com/office/drawing/2014/main" id="{437379DD-608C-7A02-704E-24805A4218F5}"/>
               </a:ext>
             </a:extLst>
           </p:cNvPr>
@@ -840,7 +840,7 @@
           <p:cNvPr id="4" name="日期占位符 3">
             <a:extLst>
               <a:ext uri="{FF2B5EF4-FFF2-40B4-BE49-F238E27FC236}">
-                <a16:creationId xmlns:a16="http://schemas.microsoft.com/office/drawing/2014/main" id="{08697FE2-28FB-E7BE-FEAE-2F1189C564EB}"/>
+                <a16:creationId xmlns:a16="http://schemas.microsoft.com/office/drawing/2014/main" id="{CCE26973-047C-6B43-16F9-12F925BD2330}"/>
               </a:ext>
             </a:extLst>
           </p:cNvPr>
@@ -856,7 +856,7 @@
           <a:bodyPr/>
           <a:lstStyle/>
           <a:p>
-            <a:fld id="{8A73149B-9CE7-4E39-A719-0D14706CA1D3}" type="datetimeFigureOut">
+            <a:fld id="{E5D10402-B957-44EA-95E7-B5E1A12C4D33}" type="datetimeFigureOut">
               <a:rPr lang="zh-CN" altLang="en-US" smtClean="0"/>
               <a:t>2024/3/10</a:t>
             </a:fld>
@@ -869,7 +869,7 @@
           <p:cNvPr id="5" name="页脚占位符 4">
             <a:extLst>
               <a:ext uri="{FF2B5EF4-FFF2-40B4-BE49-F238E27FC236}">
-                <a16:creationId xmlns:a16="http://schemas.microsoft.com/office/drawing/2014/main" id="{581D236E-6778-B5A1-CF0C-903BFAA6DD02}"/>
+                <a16:creationId xmlns:a16="http://schemas.microsoft.com/office/drawing/2014/main" id="{FC5DC922-C528-E057-23A1-92B5C21A9B5E}"/>
               </a:ext>
             </a:extLst>
           </p:cNvPr>
@@ -894,7 +894,7 @@
           <p:cNvPr id="6" name="灯片编号占位符 5">
             <a:extLst>
               <a:ext uri="{FF2B5EF4-FFF2-40B4-BE49-F238E27FC236}">
-                <a16:creationId xmlns:a16="http://schemas.microsoft.com/office/drawing/2014/main" id="{38331F8F-28E8-BAEC-885B-C012874CD0BB}"/>
+                <a16:creationId xmlns:a16="http://schemas.microsoft.com/office/drawing/2014/main" id="{D2263DFB-E2C6-5377-65BC-39921CF95DF6}"/>
               </a:ext>
             </a:extLst>
           </p:cNvPr>
@@ -910,7 +910,7 @@
           <a:bodyPr/>
           <a:lstStyle/>
           <a:p>
-            <a:fld id="{8FAD8A3E-21BE-4F07-AB62-2336E14253E9}" type="slidenum">
+            <a:fld id="{D56EB02C-DDCB-4584-BCCC-3DFD7E955898}" type="slidenum">
               <a:rPr lang="zh-CN" altLang="en-US" smtClean="0"/>
               <a:t>‹#›</a:t>
             </a:fld>
@@ -921,7 +921,7 @@
     </p:spTree>
     <p:extLst>
       <p:ext uri="{BB962C8B-B14F-4D97-AF65-F5344CB8AC3E}">
-        <p14:creationId xmlns:p14="http://schemas.microsoft.com/office/powerpoint/2010/main" val="136341018"/>
+        <p14:creationId xmlns:p14="http://schemas.microsoft.com/office/powerpoint/2010/main" val="3155025933"/>
       </p:ext>
     </p:extLst>
   </p:cSld>
@@ -953,7 +953,7 @@
           <p:cNvPr id="2" name="标题 1">
             <a:extLst>
               <a:ext uri="{FF2B5EF4-FFF2-40B4-BE49-F238E27FC236}">
-                <a16:creationId xmlns:a16="http://schemas.microsoft.com/office/drawing/2014/main" id="{DE198244-E5DF-B91F-0CEB-405795EC4E6C}"/>
+                <a16:creationId xmlns:a16="http://schemas.microsoft.com/office/drawing/2014/main" id="{BA32ACD9-76D5-16BB-B179-C73750A42296}"/>
               </a:ext>
             </a:extLst>
           </p:cNvPr>
@@ -990,7 +990,7 @@
           <p:cNvPr id="3" name="文本占位符 2">
             <a:extLst>
               <a:ext uri="{FF2B5EF4-FFF2-40B4-BE49-F238E27FC236}">
-                <a16:creationId xmlns:a16="http://schemas.microsoft.com/office/drawing/2014/main" id="{AE979181-C296-C1CD-BD29-A64828ECFD6A}"/>
+                <a16:creationId xmlns:a16="http://schemas.microsoft.com/office/drawing/2014/main" id="{CE6E688E-EE77-9742-6796-92127DCBE222}"/>
               </a:ext>
             </a:extLst>
           </p:cNvPr>
@@ -1115,7 +1115,7 @@
           <p:cNvPr id="4" name="日期占位符 3">
             <a:extLst>
               <a:ext uri="{FF2B5EF4-FFF2-40B4-BE49-F238E27FC236}">
-                <a16:creationId xmlns:a16="http://schemas.microsoft.com/office/drawing/2014/main" id="{88AF2F4D-9919-28B2-7949-D74BCDE9E745}"/>
+                <a16:creationId xmlns:a16="http://schemas.microsoft.com/office/drawing/2014/main" id="{1F03EE88-69E7-E55C-BCB0-C5318659EB4B}"/>
               </a:ext>
             </a:extLst>
           </p:cNvPr>
@@ -1131,7 +1131,7 @@
           <a:bodyPr/>
           <a:lstStyle/>
           <a:p>
-            <a:fld id="{8A73149B-9CE7-4E39-A719-0D14706CA1D3}" type="datetimeFigureOut">
+            <a:fld id="{E5D10402-B957-44EA-95E7-B5E1A12C4D33}" type="datetimeFigureOut">
               <a:rPr lang="zh-CN" altLang="en-US" smtClean="0"/>
               <a:t>2024/3/10</a:t>
             </a:fld>
@@ -1144,7 +1144,7 @@
           <p:cNvPr id="5" name="页脚占位符 4">
             <a:extLst>
               <a:ext uri="{FF2B5EF4-FFF2-40B4-BE49-F238E27FC236}">
-                <a16:creationId xmlns:a16="http://schemas.microsoft.com/office/drawing/2014/main" id="{7D5303AF-46C7-046B-42A0-4572FBD04A81}"/>
+                <a16:creationId xmlns:a16="http://schemas.microsoft.com/office/drawing/2014/main" id="{0DD0433E-E67A-59CD-1512-43D691DB9F80}"/>
               </a:ext>
             </a:extLst>
           </p:cNvPr>
@@ -1169,7 +1169,7 @@
           <p:cNvPr id="6" name="灯片编号占位符 5">
             <a:extLst>
               <a:ext uri="{FF2B5EF4-FFF2-40B4-BE49-F238E27FC236}">
-                <a16:creationId xmlns:a16="http://schemas.microsoft.com/office/drawing/2014/main" id="{8ED9C842-AA35-70FC-B3C5-778087FC83FC}"/>
+                <a16:creationId xmlns:a16="http://schemas.microsoft.com/office/drawing/2014/main" id="{DBFE26DC-B7B7-7762-0470-E0BCC91403F8}"/>
               </a:ext>
             </a:extLst>
           </p:cNvPr>
@@ -1185,7 +1185,7 @@
           <a:bodyPr/>
           <a:lstStyle/>
           <a:p>
-            <a:fld id="{8FAD8A3E-21BE-4F07-AB62-2336E14253E9}" type="slidenum">
+            <a:fld id="{D56EB02C-DDCB-4584-BCCC-3DFD7E955898}" type="slidenum">
               <a:rPr lang="zh-CN" altLang="en-US" smtClean="0"/>
               <a:t>‹#›</a:t>
             </a:fld>
@@ -1196,7 +1196,7 @@
     </p:spTree>
     <p:extLst>
       <p:ext uri="{BB962C8B-B14F-4D97-AF65-F5344CB8AC3E}">
-        <p14:creationId xmlns:p14="http://schemas.microsoft.com/office/powerpoint/2010/main" val="1307049917"/>
+        <p14:creationId xmlns:p14="http://schemas.microsoft.com/office/powerpoint/2010/main" val="825387092"/>
       </p:ext>
     </p:extLst>
   </p:cSld>
@@ -1228,7 +1228,7 @@
           <p:cNvPr id="2" name="标题 1">
             <a:extLst>
               <a:ext uri="{FF2B5EF4-FFF2-40B4-BE49-F238E27FC236}">
-                <a16:creationId xmlns:a16="http://schemas.microsoft.com/office/drawing/2014/main" id="{95DE86FC-E9E0-C3B0-4025-32911F94E230}"/>
+                <a16:creationId xmlns:a16="http://schemas.microsoft.com/office/drawing/2014/main" id="{2A75EB52-CF70-8153-B5FF-995722690FA4}"/>
               </a:ext>
             </a:extLst>
           </p:cNvPr>
@@ -1256,7 +1256,7 @@
           <p:cNvPr id="3" name="内容占位符 2">
             <a:extLst>
               <a:ext uri="{FF2B5EF4-FFF2-40B4-BE49-F238E27FC236}">
-                <a16:creationId xmlns:a16="http://schemas.microsoft.com/office/drawing/2014/main" id="{CEC5B66E-A7DA-DD00-585B-2E85D398A5C1}"/>
+                <a16:creationId xmlns:a16="http://schemas.microsoft.com/office/drawing/2014/main" id="{216D23A0-0637-E885-A113-BF5A1AA2BE3B}"/>
               </a:ext>
             </a:extLst>
           </p:cNvPr>
@@ -1318,7 +1318,7 @@
           <p:cNvPr id="4" name="内容占位符 3">
             <a:extLst>
               <a:ext uri="{FF2B5EF4-FFF2-40B4-BE49-F238E27FC236}">
-                <a16:creationId xmlns:a16="http://schemas.microsoft.com/office/drawing/2014/main" id="{E16A8230-146E-BC67-597E-FA893FC33B19}"/>
+                <a16:creationId xmlns:a16="http://schemas.microsoft.com/office/drawing/2014/main" id="{40E6CB16-1F94-64D5-7837-67E9C14288B7}"/>
               </a:ext>
             </a:extLst>
           </p:cNvPr>
@@ -1380,7 +1380,7 @@
           <p:cNvPr id="5" name="日期占位符 4">
             <a:extLst>
               <a:ext uri="{FF2B5EF4-FFF2-40B4-BE49-F238E27FC236}">
-                <a16:creationId xmlns:a16="http://schemas.microsoft.com/office/drawing/2014/main" id="{246F5A98-369E-F06A-879B-2BCA9445E534}"/>
+                <a16:creationId xmlns:a16="http://schemas.microsoft.com/office/drawing/2014/main" id="{3EE82821-C2FE-AE51-B433-91FDD8506714}"/>
               </a:ext>
             </a:extLst>
           </p:cNvPr>
@@ -1396,7 +1396,7 @@
           <a:bodyPr/>
           <a:lstStyle/>
           <a:p>
-            <a:fld id="{8A73149B-9CE7-4E39-A719-0D14706CA1D3}" type="datetimeFigureOut">
+            <a:fld id="{E5D10402-B957-44EA-95E7-B5E1A12C4D33}" type="datetimeFigureOut">
               <a:rPr lang="zh-CN" altLang="en-US" smtClean="0"/>
               <a:t>2024/3/10</a:t>
             </a:fld>
@@ -1409,7 +1409,7 @@
           <p:cNvPr id="6" name="页脚占位符 5">
             <a:extLst>
               <a:ext uri="{FF2B5EF4-FFF2-40B4-BE49-F238E27FC236}">
-                <a16:creationId xmlns:a16="http://schemas.microsoft.com/office/drawing/2014/main" id="{AA049760-1ED5-45CF-1E00-5B0F69B182FE}"/>
+                <a16:creationId xmlns:a16="http://schemas.microsoft.com/office/drawing/2014/main" id="{0F4D93DA-71C1-523B-0EB8-C0AA51C2A89C}"/>
               </a:ext>
             </a:extLst>
           </p:cNvPr>
@@ -1434,7 +1434,7 @@
           <p:cNvPr id="7" name="灯片编号占位符 6">
             <a:extLst>
               <a:ext uri="{FF2B5EF4-FFF2-40B4-BE49-F238E27FC236}">
-                <a16:creationId xmlns:a16="http://schemas.microsoft.com/office/drawing/2014/main" id="{E62B5347-581D-D0C3-6692-E00DC100A7FA}"/>
+                <a16:creationId xmlns:a16="http://schemas.microsoft.com/office/drawing/2014/main" id="{7C8ABADE-0530-58E9-C78F-E5DC613BE52F}"/>
               </a:ext>
             </a:extLst>
           </p:cNvPr>
@@ -1450,7 +1450,7 @@
           <a:bodyPr/>
           <a:lstStyle/>
           <a:p>
-            <a:fld id="{8FAD8A3E-21BE-4F07-AB62-2336E14253E9}" type="slidenum">
+            <a:fld id="{D56EB02C-DDCB-4584-BCCC-3DFD7E955898}" type="slidenum">
               <a:rPr lang="zh-CN" altLang="en-US" smtClean="0"/>
               <a:t>‹#›</a:t>
             </a:fld>
@@ -1461,7 +1461,7 @@
     </p:spTree>
     <p:extLst>
       <p:ext uri="{BB962C8B-B14F-4D97-AF65-F5344CB8AC3E}">
-        <p14:creationId xmlns:p14="http://schemas.microsoft.com/office/powerpoint/2010/main" val="885131436"/>
+        <p14:creationId xmlns:p14="http://schemas.microsoft.com/office/powerpoint/2010/main" val="333289996"/>
       </p:ext>
     </p:extLst>
   </p:cSld>
@@ -1493,7 +1493,7 @@
           <p:cNvPr id="2" name="标题 1">
             <a:extLst>
               <a:ext uri="{FF2B5EF4-FFF2-40B4-BE49-F238E27FC236}">
-                <a16:creationId xmlns:a16="http://schemas.microsoft.com/office/drawing/2014/main" id="{8F6AAAFD-F545-2F1B-F345-4985B354E2F6}"/>
+                <a16:creationId xmlns:a16="http://schemas.microsoft.com/office/drawing/2014/main" id="{9E0E41E9-9F6F-9472-C0A2-78693616E12C}"/>
               </a:ext>
             </a:extLst>
           </p:cNvPr>
@@ -1526,7 +1526,7 @@
           <p:cNvPr id="3" name="文本占位符 2">
             <a:extLst>
               <a:ext uri="{FF2B5EF4-FFF2-40B4-BE49-F238E27FC236}">
-                <a16:creationId xmlns:a16="http://schemas.microsoft.com/office/drawing/2014/main" id="{89AD5B0D-FBDF-6A12-6940-CB2DD15D2E8A}"/>
+                <a16:creationId xmlns:a16="http://schemas.microsoft.com/office/drawing/2014/main" id="{130AE92C-798B-D3A4-C8B3-7B9F8852AF38}"/>
               </a:ext>
             </a:extLst>
           </p:cNvPr>
@@ -1597,7 +1597,7 @@
           <p:cNvPr id="4" name="内容占位符 3">
             <a:extLst>
               <a:ext uri="{FF2B5EF4-FFF2-40B4-BE49-F238E27FC236}">
-                <a16:creationId xmlns:a16="http://schemas.microsoft.com/office/drawing/2014/main" id="{C9621AE2-C75B-DB42-B7EC-590044485D19}"/>
+                <a16:creationId xmlns:a16="http://schemas.microsoft.com/office/drawing/2014/main" id="{B7EFF4D1-03E5-7210-C55C-0AB0ABB02005}"/>
               </a:ext>
             </a:extLst>
           </p:cNvPr>
@@ -1659,7 +1659,7 @@
           <p:cNvPr id="5" name="文本占位符 4">
             <a:extLst>
               <a:ext uri="{FF2B5EF4-FFF2-40B4-BE49-F238E27FC236}">
-                <a16:creationId xmlns:a16="http://schemas.microsoft.com/office/drawing/2014/main" id="{43F6A1C4-8D33-40DE-EA8C-327D776BCF45}"/>
+                <a16:creationId xmlns:a16="http://schemas.microsoft.com/office/drawing/2014/main" id="{E9BC0448-7F92-2868-C01D-BCE32B5955F1}"/>
               </a:ext>
             </a:extLst>
           </p:cNvPr>
@@ -1730,7 +1730,7 @@
           <p:cNvPr id="6" name="内容占位符 5">
             <a:extLst>
               <a:ext uri="{FF2B5EF4-FFF2-40B4-BE49-F238E27FC236}">
-                <a16:creationId xmlns:a16="http://schemas.microsoft.com/office/drawing/2014/main" id="{D8F526F1-0BFE-8165-2ED1-52A23FBAC6D4}"/>
+                <a16:creationId xmlns:a16="http://schemas.microsoft.com/office/drawing/2014/main" id="{8F8D25BF-8C55-E8E9-23EB-6EF9174D7F67}"/>
               </a:ext>
             </a:extLst>
           </p:cNvPr>
@@ -1792,7 +1792,7 @@
           <p:cNvPr id="7" name="日期占位符 6">
             <a:extLst>
               <a:ext uri="{FF2B5EF4-FFF2-40B4-BE49-F238E27FC236}">
-                <a16:creationId xmlns:a16="http://schemas.microsoft.com/office/drawing/2014/main" id="{98F7F825-83C1-58F7-FE72-13F5BD371593}"/>
+                <a16:creationId xmlns:a16="http://schemas.microsoft.com/office/drawing/2014/main" id="{88387725-DFE7-CB89-0AE8-7FE078BCFB2A}"/>
               </a:ext>
             </a:extLst>
           </p:cNvPr>
@@ -1808,7 +1808,7 @@
           <a:bodyPr/>
           <a:lstStyle/>
           <a:p>
-            <a:fld id="{8A73149B-9CE7-4E39-A719-0D14706CA1D3}" type="datetimeFigureOut">
+            <a:fld id="{E5D10402-B957-44EA-95E7-B5E1A12C4D33}" type="datetimeFigureOut">
               <a:rPr lang="zh-CN" altLang="en-US" smtClean="0"/>
               <a:t>2024/3/10</a:t>
             </a:fld>
@@ -1821,7 +1821,7 @@
           <p:cNvPr id="8" name="页脚占位符 7">
             <a:extLst>
               <a:ext uri="{FF2B5EF4-FFF2-40B4-BE49-F238E27FC236}">
-                <a16:creationId xmlns:a16="http://schemas.microsoft.com/office/drawing/2014/main" id="{2553258E-0A69-2B1F-4B28-99306D1B7C17}"/>
+                <a16:creationId xmlns:a16="http://schemas.microsoft.com/office/drawing/2014/main" id="{F6B8BA9B-04BF-548F-B85A-8475FDAE26EE}"/>
               </a:ext>
             </a:extLst>
           </p:cNvPr>
@@ -1846,7 +1846,7 @@
           <p:cNvPr id="9" name="灯片编号占位符 8">
             <a:extLst>
               <a:ext uri="{FF2B5EF4-FFF2-40B4-BE49-F238E27FC236}">
-                <a16:creationId xmlns:a16="http://schemas.microsoft.com/office/drawing/2014/main" id="{56301AC1-2EFA-DCEA-78A8-7DC031CC0EC9}"/>
+                <a16:creationId xmlns:a16="http://schemas.microsoft.com/office/drawing/2014/main" id="{1EED6B74-A290-4440-7E10-FC5262FB5D99}"/>
               </a:ext>
             </a:extLst>
           </p:cNvPr>
@@ -1862,7 +1862,7 @@
           <a:bodyPr/>
           <a:lstStyle/>
           <a:p>
-            <a:fld id="{8FAD8A3E-21BE-4F07-AB62-2336E14253E9}" type="slidenum">
+            <a:fld id="{D56EB02C-DDCB-4584-BCCC-3DFD7E955898}" type="slidenum">
               <a:rPr lang="zh-CN" altLang="en-US" smtClean="0"/>
               <a:t>‹#›</a:t>
             </a:fld>
@@ -1873,7 +1873,7 @@
     </p:spTree>
     <p:extLst>
       <p:ext uri="{BB962C8B-B14F-4D97-AF65-F5344CB8AC3E}">
-        <p14:creationId xmlns:p14="http://schemas.microsoft.com/office/powerpoint/2010/main" val="656848644"/>
+        <p14:creationId xmlns:p14="http://schemas.microsoft.com/office/powerpoint/2010/main" val="487257163"/>
       </p:ext>
     </p:extLst>
   </p:cSld>
@@ -1905,7 +1905,7 @@
           <p:cNvPr id="2" name="标题 1">
             <a:extLst>
               <a:ext uri="{FF2B5EF4-FFF2-40B4-BE49-F238E27FC236}">
-                <a16:creationId xmlns:a16="http://schemas.microsoft.com/office/drawing/2014/main" id="{90041F44-1E7F-6F6D-17C8-5A6061991DAF}"/>
+                <a16:creationId xmlns:a16="http://schemas.microsoft.com/office/drawing/2014/main" id="{25D744DC-67BB-38D2-D257-FD78E43DF0F1}"/>
               </a:ext>
             </a:extLst>
           </p:cNvPr>
@@ -1933,7 +1933,7 @@
           <p:cNvPr id="3" name="日期占位符 2">
             <a:extLst>
               <a:ext uri="{FF2B5EF4-FFF2-40B4-BE49-F238E27FC236}">
-                <a16:creationId xmlns:a16="http://schemas.microsoft.com/office/drawing/2014/main" id="{0EC1CBEE-28EC-2A9B-FE85-4621C028EE53}"/>
+                <a16:creationId xmlns:a16="http://schemas.microsoft.com/office/drawing/2014/main" id="{6A01CD85-BC64-F955-3D43-C43722489396}"/>
               </a:ext>
             </a:extLst>
           </p:cNvPr>
@@ -1949,7 +1949,7 @@
           <a:bodyPr/>
           <a:lstStyle/>
           <a:p>
-            <a:fld id="{8A73149B-9CE7-4E39-A719-0D14706CA1D3}" type="datetimeFigureOut">
+            <a:fld id="{E5D10402-B957-44EA-95E7-B5E1A12C4D33}" type="datetimeFigureOut">
               <a:rPr lang="zh-CN" altLang="en-US" smtClean="0"/>
               <a:t>2024/3/10</a:t>
             </a:fld>
@@ -1962,7 +1962,7 @@
           <p:cNvPr id="4" name="页脚占位符 3">
             <a:extLst>
               <a:ext uri="{FF2B5EF4-FFF2-40B4-BE49-F238E27FC236}">
-                <a16:creationId xmlns:a16="http://schemas.microsoft.com/office/drawing/2014/main" id="{D4584D54-3A08-CE73-2787-30104DAE9C83}"/>
+                <a16:creationId xmlns:a16="http://schemas.microsoft.com/office/drawing/2014/main" id="{0DBAE56C-D043-70E0-4C01-C72B17BC93F0}"/>
               </a:ext>
             </a:extLst>
           </p:cNvPr>
@@ -1987,7 +1987,7 @@
           <p:cNvPr id="5" name="灯片编号占位符 4">
             <a:extLst>
               <a:ext uri="{FF2B5EF4-FFF2-40B4-BE49-F238E27FC236}">
-                <a16:creationId xmlns:a16="http://schemas.microsoft.com/office/drawing/2014/main" id="{FBB69294-FE9A-F9D0-BD11-0B6067FFDE3F}"/>
+                <a16:creationId xmlns:a16="http://schemas.microsoft.com/office/drawing/2014/main" id="{C8369319-D2C3-8417-D94A-01AD4F9E2231}"/>
               </a:ext>
             </a:extLst>
           </p:cNvPr>
@@ -2003,7 +2003,7 @@
           <a:bodyPr/>
           <a:lstStyle/>
           <a:p>
-            <a:fld id="{8FAD8A3E-21BE-4F07-AB62-2336E14253E9}" type="slidenum">
+            <a:fld id="{D56EB02C-DDCB-4584-BCCC-3DFD7E955898}" type="slidenum">
               <a:rPr lang="zh-CN" altLang="en-US" smtClean="0"/>
               <a:t>‹#›</a:t>
             </a:fld>
@@ -2014,7 +2014,7 @@
     </p:spTree>
     <p:extLst>
       <p:ext uri="{BB962C8B-B14F-4D97-AF65-F5344CB8AC3E}">
-        <p14:creationId xmlns:p14="http://schemas.microsoft.com/office/powerpoint/2010/main" val="832978526"/>
+        <p14:creationId xmlns:p14="http://schemas.microsoft.com/office/powerpoint/2010/main" val="261844375"/>
       </p:ext>
     </p:extLst>
   </p:cSld>
@@ -2046,7 +2046,7 @@
           <p:cNvPr id="2" name="日期占位符 1">
             <a:extLst>
               <a:ext uri="{FF2B5EF4-FFF2-40B4-BE49-F238E27FC236}">
-                <a16:creationId xmlns:a16="http://schemas.microsoft.com/office/drawing/2014/main" id="{266974E9-6E38-0F89-B79E-56A5EF6FEAB8}"/>
+                <a16:creationId xmlns:a16="http://schemas.microsoft.com/office/drawing/2014/main" id="{528C3888-4BEA-7A98-BA5A-8DC07023216A}"/>
               </a:ext>
             </a:extLst>
           </p:cNvPr>
@@ -2062,7 +2062,7 @@
           <a:bodyPr/>
           <a:lstStyle/>
           <a:p>
-            <a:fld id="{8A73149B-9CE7-4E39-A719-0D14706CA1D3}" type="datetimeFigureOut">
+            <a:fld id="{E5D10402-B957-44EA-95E7-B5E1A12C4D33}" type="datetimeFigureOut">
               <a:rPr lang="zh-CN" altLang="en-US" smtClean="0"/>
               <a:t>2024/3/10</a:t>
             </a:fld>
@@ -2075,7 +2075,7 @@
           <p:cNvPr id="3" name="页脚占位符 2">
             <a:extLst>
               <a:ext uri="{FF2B5EF4-FFF2-40B4-BE49-F238E27FC236}">
-                <a16:creationId xmlns:a16="http://schemas.microsoft.com/office/drawing/2014/main" id="{699C7842-4D95-80A2-8587-1812CF1E7E2C}"/>
+                <a16:creationId xmlns:a16="http://schemas.microsoft.com/office/drawing/2014/main" id="{6BC0425C-FA12-2619-2F42-FCEB72F27CA2}"/>
               </a:ext>
             </a:extLst>
           </p:cNvPr>
@@ -2100,7 +2100,7 @@
           <p:cNvPr id="4" name="灯片编号占位符 3">
             <a:extLst>
               <a:ext uri="{FF2B5EF4-FFF2-40B4-BE49-F238E27FC236}">
-                <a16:creationId xmlns:a16="http://schemas.microsoft.com/office/drawing/2014/main" id="{7458135B-B730-4198-455F-69C9539BA988}"/>
+                <a16:creationId xmlns:a16="http://schemas.microsoft.com/office/drawing/2014/main" id="{8B7E1CC3-1C54-C297-7E80-15A76777F7F9}"/>
               </a:ext>
             </a:extLst>
           </p:cNvPr>
@@ -2116,7 +2116,7 @@
           <a:bodyPr/>
           <a:lstStyle/>
           <a:p>
-            <a:fld id="{8FAD8A3E-21BE-4F07-AB62-2336E14253E9}" type="slidenum">
+            <a:fld id="{D56EB02C-DDCB-4584-BCCC-3DFD7E955898}" type="slidenum">
               <a:rPr lang="zh-CN" altLang="en-US" smtClean="0"/>
               <a:t>‹#›</a:t>
             </a:fld>
@@ -2127,7 +2127,7 @@
     </p:spTree>
     <p:extLst>
       <p:ext uri="{BB962C8B-B14F-4D97-AF65-F5344CB8AC3E}">
-        <p14:creationId xmlns:p14="http://schemas.microsoft.com/office/powerpoint/2010/main" val="2754457475"/>
+        <p14:creationId xmlns:p14="http://schemas.microsoft.com/office/powerpoint/2010/main" val="1346275869"/>
       </p:ext>
     </p:extLst>
   </p:cSld>
@@ -2159,7 +2159,7 @@
           <p:cNvPr id="2" name="标题 1">
             <a:extLst>
               <a:ext uri="{FF2B5EF4-FFF2-40B4-BE49-F238E27FC236}">
-                <a16:creationId xmlns:a16="http://schemas.microsoft.com/office/drawing/2014/main" id="{6966E643-8C41-84AB-8502-6DA50D2A79A9}"/>
+                <a16:creationId xmlns:a16="http://schemas.microsoft.com/office/drawing/2014/main" id="{C31741B2-1DA5-0900-EB7B-BC0F2AA97E3D}"/>
               </a:ext>
             </a:extLst>
           </p:cNvPr>
@@ -2196,7 +2196,7 @@
           <p:cNvPr id="3" name="内容占位符 2">
             <a:extLst>
               <a:ext uri="{FF2B5EF4-FFF2-40B4-BE49-F238E27FC236}">
-                <a16:creationId xmlns:a16="http://schemas.microsoft.com/office/drawing/2014/main" id="{028D00ED-821B-7F5A-9B1E-F2D827915466}"/>
+                <a16:creationId xmlns:a16="http://schemas.microsoft.com/office/drawing/2014/main" id="{49720FC7-1AE1-73A7-0C61-BC85E9A58317}"/>
               </a:ext>
             </a:extLst>
           </p:cNvPr>
@@ -2286,7 +2286,7 @@
           <p:cNvPr id="4" name="文本占位符 3">
             <a:extLst>
               <a:ext uri="{FF2B5EF4-FFF2-40B4-BE49-F238E27FC236}">
-                <a16:creationId xmlns:a16="http://schemas.microsoft.com/office/drawing/2014/main" id="{13CCC19B-0072-00D5-2903-91B755D5C8BF}"/>
+                <a16:creationId xmlns:a16="http://schemas.microsoft.com/office/drawing/2014/main" id="{23C68E2C-8DC3-AE4C-267C-720F24C2CE8F}"/>
               </a:ext>
             </a:extLst>
           </p:cNvPr>
@@ -2357,7 +2357,7 @@
           <p:cNvPr id="5" name="日期占位符 4">
             <a:extLst>
               <a:ext uri="{FF2B5EF4-FFF2-40B4-BE49-F238E27FC236}">
-                <a16:creationId xmlns:a16="http://schemas.microsoft.com/office/drawing/2014/main" id="{5FEF5E36-8E43-D1F3-DC2B-616EBEAA8B04}"/>
+                <a16:creationId xmlns:a16="http://schemas.microsoft.com/office/drawing/2014/main" id="{5F04132D-165D-6805-A385-AF6FAE3CC1E3}"/>
               </a:ext>
             </a:extLst>
           </p:cNvPr>
@@ -2373,7 +2373,7 @@
           <a:bodyPr/>
           <a:lstStyle/>
           <a:p>
-            <a:fld id="{8A73149B-9CE7-4E39-A719-0D14706CA1D3}" type="datetimeFigureOut">
+            <a:fld id="{E5D10402-B957-44EA-95E7-B5E1A12C4D33}" type="datetimeFigureOut">
               <a:rPr lang="zh-CN" altLang="en-US" smtClean="0"/>
               <a:t>2024/3/10</a:t>
             </a:fld>
@@ -2386,7 +2386,7 @@
           <p:cNvPr id="6" name="页脚占位符 5">
             <a:extLst>
               <a:ext uri="{FF2B5EF4-FFF2-40B4-BE49-F238E27FC236}">
-                <a16:creationId xmlns:a16="http://schemas.microsoft.com/office/drawing/2014/main" id="{7F774644-B72E-012F-7AC1-81604D0056A5}"/>
+                <a16:creationId xmlns:a16="http://schemas.microsoft.com/office/drawing/2014/main" id="{E4AD1BC0-0BB7-C5D7-3F56-F888B4D3CD13}"/>
               </a:ext>
             </a:extLst>
           </p:cNvPr>
@@ -2411,7 +2411,7 @@
           <p:cNvPr id="7" name="灯片编号占位符 6">
             <a:extLst>
               <a:ext uri="{FF2B5EF4-FFF2-40B4-BE49-F238E27FC236}">
-                <a16:creationId xmlns:a16="http://schemas.microsoft.com/office/drawing/2014/main" id="{24A1C1C1-6D9E-2EF9-9A53-2A9C176FBD44}"/>
+                <a16:creationId xmlns:a16="http://schemas.microsoft.com/office/drawing/2014/main" id="{7E0F4E67-6872-70A3-79B9-670FD570D0EA}"/>
               </a:ext>
             </a:extLst>
           </p:cNvPr>
@@ -2427,7 +2427,7 @@
           <a:bodyPr/>
           <a:lstStyle/>
           <a:p>
-            <a:fld id="{8FAD8A3E-21BE-4F07-AB62-2336E14253E9}" type="slidenum">
+            <a:fld id="{D56EB02C-DDCB-4584-BCCC-3DFD7E955898}" type="slidenum">
               <a:rPr lang="zh-CN" altLang="en-US" smtClean="0"/>
               <a:t>‹#›</a:t>
             </a:fld>
@@ -2438,7 +2438,7 @@
     </p:spTree>
     <p:extLst>
       <p:ext uri="{BB962C8B-B14F-4D97-AF65-F5344CB8AC3E}">
-        <p14:creationId xmlns:p14="http://schemas.microsoft.com/office/powerpoint/2010/main" val="622614553"/>
+        <p14:creationId xmlns:p14="http://schemas.microsoft.com/office/powerpoint/2010/main" val="2608001350"/>
       </p:ext>
     </p:extLst>
   </p:cSld>
@@ -2470,7 +2470,7 @@
           <p:cNvPr id="2" name="标题 1">
             <a:extLst>
               <a:ext uri="{FF2B5EF4-FFF2-40B4-BE49-F238E27FC236}">
-                <a16:creationId xmlns:a16="http://schemas.microsoft.com/office/drawing/2014/main" id="{51FEDF57-5830-CB07-4C38-2E808EC67B03}"/>
+                <a16:creationId xmlns:a16="http://schemas.microsoft.com/office/drawing/2014/main" id="{28A36478-219A-61F7-5F59-6771F384DE97}"/>
               </a:ext>
             </a:extLst>
           </p:cNvPr>
@@ -2507,7 +2507,7 @@
           <p:cNvPr id="3" name="图片占位符 2">
             <a:extLst>
               <a:ext uri="{FF2B5EF4-FFF2-40B4-BE49-F238E27FC236}">
-                <a16:creationId xmlns:a16="http://schemas.microsoft.com/office/drawing/2014/main" id="{6F20EBEF-06CD-87E6-6E66-A9F361C29D7A}"/>
+                <a16:creationId xmlns:a16="http://schemas.microsoft.com/office/drawing/2014/main" id="{0ADBB7CE-7B6F-5347-BBF5-59ADB8A94540}"/>
               </a:ext>
             </a:extLst>
           </p:cNvPr>
@@ -2574,7 +2574,7 @@
           <p:cNvPr id="4" name="文本占位符 3">
             <a:extLst>
               <a:ext uri="{FF2B5EF4-FFF2-40B4-BE49-F238E27FC236}">
-                <a16:creationId xmlns:a16="http://schemas.microsoft.com/office/drawing/2014/main" id="{E69DCAF9-5B65-9489-24C3-D1AE980BD470}"/>
+                <a16:creationId xmlns:a16="http://schemas.microsoft.com/office/drawing/2014/main" id="{70C0B2A0-53B4-55D7-7CF5-E67CF5DFBC3C}"/>
               </a:ext>
             </a:extLst>
           </p:cNvPr>
@@ -2645,7 +2645,7 @@
           <p:cNvPr id="5" name="日期占位符 4">
             <a:extLst>
               <a:ext uri="{FF2B5EF4-FFF2-40B4-BE49-F238E27FC236}">
-                <a16:creationId xmlns:a16="http://schemas.microsoft.com/office/drawing/2014/main" id="{5FF81C8A-50B1-C103-2C4E-63F9E182C1B0}"/>
+                <a16:creationId xmlns:a16="http://schemas.microsoft.com/office/drawing/2014/main" id="{8A6242C6-3D7E-FDB5-4A27-731B50548292}"/>
               </a:ext>
             </a:extLst>
           </p:cNvPr>
@@ -2661,7 +2661,7 @@
           <a:bodyPr/>
           <a:lstStyle/>
           <a:p>
-            <a:fld id="{8A73149B-9CE7-4E39-A719-0D14706CA1D3}" type="datetimeFigureOut">
+            <a:fld id="{E5D10402-B957-44EA-95E7-B5E1A12C4D33}" type="datetimeFigureOut">
               <a:rPr lang="zh-CN" altLang="en-US" smtClean="0"/>
               <a:t>2024/3/10</a:t>
             </a:fld>
@@ -2674,7 +2674,7 @@
           <p:cNvPr id="6" name="页脚占位符 5">
             <a:extLst>
               <a:ext uri="{FF2B5EF4-FFF2-40B4-BE49-F238E27FC236}">
-                <a16:creationId xmlns:a16="http://schemas.microsoft.com/office/drawing/2014/main" id="{3EE0B19B-D272-93E8-909F-F4528107C21C}"/>
+                <a16:creationId xmlns:a16="http://schemas.microsoft.com/office/drawing/2014/main" id="{2F51D704-E24E-BFBD-7104-E00E2082D78B}"/>
               </a:ext>
             </a:extLst>
           </p:cNvPr>
@@ -2699,7 +2699,7 @@
           <p:cNvPr id="7" name="灯片编号占位符 6">
             <a:extLst>
               <a:ext uri="{FF2B5EF4-FFF2-40B4-BE49-F238E27FC236}">
-                <a16:creationId xmlns:a16="http://schemas.microsoft.com/office/drawing/2014/main" id="{EDE0E30A-889B-E547-72E0-A47C9365BEC5}"/>
+                <a16:creationId xmlns:a16="http://schemas.microsoft.com/office/drawing/2014/main" id="{DC7D06C0-5261-8705-B2E7-11DE70F659CA}"/>
               </a:ext>
             </a:extLst>
           </p:cNvPr>
@@ -2715,7 +2715,7 @@
           <a:bodyPr/>
           <a:lstStyle/>
           <a:p>
-            <a:fld id="{8FAD8A3E-21BE-4F07-AB62-2336E14253E9}" type="slidenum">
+            <a:fld id="{D56EB02C-DDCB-4584-BCCC-3DFD7E955898}" type="slidenum">
               <a:rPr lang="zh-CN" altLang="en-US" smtClean="0"/>
               <a:t>‹#›</a:t>
             </a:fld>
@@ -2726,7 +2726,7 @@
     </p:spTree>
     <p:extLst>
       <p:ext uri="{BB962C8B-B14F-4D97-AF65-F5344CB8AC3E}">
-        <p14:creationId xmlns:p14="http://schemas.microsoft.com/office/powerpoint/2010/main" val="3251774495"/>
+        <p14:creationId xmlns:p14="http://schemas.microsoft.com/office/powerpoint/2010/main" val="588649334"/>
       </p:ext>
     </p:extLst>
   </p:cSld>
@@ -2763,7 +2763,7 @@
           <p:cNvPr id="2" name="标题占位符 1">
             <a:extLst>
               <a:ext uri="{FF2B5EF4-FFF2-40B4-BE49-F238E27FC236}">
-                <a16:creationId xmlns:a16="http://schemas.microsoft.com/office/drawing/2014/main" id="{5E66142D-92D4-4724-D541-CC94E3915125}"/>
+                <a16:creationId xmlns:a16="http://schemas.microsoft.com/office/drawing/2014/main" id="{45F65451-991F-13F8-4EC8-B2F8F927FD8B}"/>
               </a:ext>
             </a:extLst>
           </p:cNvPr>
@@ -2801,7 +2801,7 @@
           <p:cNvPr id="3" name="文本占位符 2">
             <a:extLst>
               <a:ext uri="{FF2B5EF4-FFF2-40B4-BE49-F238E27FC236}">
-                <a16:creationId xmlns:a16="http://schemas.microsoft.com/office/drawing/2014/main" id="{A585727B-01D8-A066-25F6-5FE02BD9F6C4}"/>
+                <a16:creationId xmlns:a16="http://schemas.microsoft.com/office/drawing/2014/main" id="{137891D6-A170-A686-6831-CE7A8E9B33B2}"/>
               </a:ext>
             </a:extLst>
           </p:cNvPr>
@@ -2868,7 +2868,7 @@
           <p:cNvPr id="4" name="日期占位符 3">
             <a:extLst>
               <a:ext uri="{FF2B5EF4-FFF2-40B4-BE49-F238E27FC236}">
-                <a16:creationId xmlns:a16="http://schemas.microsoft.com/office/drawing/2014/main" id="{BA9AC841-9B49-140F-3DF4-25A12079EE9F}"/>
+                <a16:creationId xmlns:a16="http://schemas.microsoft.com/office/drawing/2014/main" id="{9DCBDAB5-3C7D-577D-3FF8-22B9970A7CCC}"/>
               </a:ext>
             </a:extLst>
           </p:cNvPr>
@@ -2902,7 +2902,7 @@
             </a:lvl1pPr>
           </a:lstStyle>
           <a:p>
-            <a:fld id="{8A73149B-9CE7-4E39-A719-0D14706CA1D3}" type="datetimeFigureOut">
+            <a:fld id="{E5D10402-B957-44EA-95E7-B5E1A12C4D33}" type="datetimeFigureOut">
               <a:rPr lang="zh-CN" altLang="en-US" smtClean="0"/>
               <a:t>2024/3/10</a:t>
             </a:fld>
@@ -2915,7 +2915,7 @@
           <p:cNvPr id="5" name="页脚占位符 4">
             <a:extLst>
               <a:ext uri="{FF2B5EF4-FFF2-40B4-BE49-F238E27FC236}">
-                <a16:creationId xmlns:a16="http://schemas.microsoft.com/office/drawing/2014/main" id="{C0E65882-1DFD-D8B7-B840-97FCA00B349E}"/>
+                <a16:creationId xmlns:a16="http://schemas.microsoft.com/office/drawing/2014/main" id="{C36AF6AB-B3E3-14C7-4804-626C30754707}"/>
               </a:ext>
             </a:extLst>
           </p:cNvPr>
@@ -2958,7 +2958,7 @@
           <p:cNvPr id="6" name="灯片编号占位符 5">
             <a:extLst>
               <a:ext uri="{FF2B5EF4-FFF2-40B4-BE49-F238E27FC236}">
-                <a16:creationId xmlns:a16="http://schemas.microsoft.com/office/drawing/2014/main" id="{77F4A602-24A2-D47D-7C6E-E2D203EC67B9}"/>
+                <a16:creationId xmlns:a16="http://schemas.microsoft.com/office/drawing/2014/main" id="{AE9E3C09-FB6A-C7AF-8283-B435B9E432E4}"/>
               </a:ext>
             </a:extLst>
           </p:cNvPr>
@@ -2992,7 +2992,7 @@
             </a:lvl1pPr>
           </a:lstStyle>
           <a:p>
-            <a:fld id="{8FAD8A3E-21BE-4F07-AB62-2336E14253E9}" type="slidenum">
+            <a:fld id="{D56EB02C-DDCB-4584-BCCC-3DFD7E955898}" type="slidenum">
               <a:rPr lang="zh-CN" altLang="en-US" smtClean="0"/>
               <a:t>‹#›</a:t>
             </a:fld>
@@ -3003,7 +3003,7 @@
     </p:spTree>
     <p:extLst>
       <p:ext uri="{BB962C8B-B14F-4D97-AF65-F5344CB8AC3E}">
-        <p14:creationId xmlns:p14="http://schemas.microsoft.com/office/powerpoint/2010/main" val="1689384213"/>
+        <p14:creationId xmlns:p14="http://schemas.microsoft.com/office/powerpoint/2010/main" val="822317881"/>
       </p:ext>
     </p:extLst>
   </p:cSld>
@@ -3323,7 +3323,7 @@
       </p:grpSpPr>
       <p:pic>
         <p:nvPicPr>
-          <p:cNvPr id="1134594" name="Picture 2" descr="1107"/>
+          <p:cNvPr id="1135618" name="Picture 2" descr="1108"/>
           <p:cNvPicPr>
             <a:picLocks noChangeAspect="1" noChangeArrowheads="1"/>
           </p:cNvPicPr>
@@ -3375,158 +3375,11 @@
           </a:extLst>
         </p:spPr>
       </p:pic>
-      <p:pic>
-        <p:nvPicPr>
-          <p:cNvPr id="1135619" name="Picture 3" descr="1107"/>
-          <p:cNvPicPr>
-            <a:picLocks noChangeAspect="1" noChangeArrowheads="1"/>
-          </p:cNvPicPr>
-          <p:nvPr/>
-        </p:nvPicPr>
-        <p:blipFill>
-          <a:blip r:embed="rId3">
-            <a:extLst>
-              <a:ext uri="{28A0092B-C50C-407E-A947-70E740481C1C}">
-                <a14:useLocalDpi xmlns:a14="http://schemas.microsoft.com/office/drawing/2010/main" val="0"/>
-              </a:ext>
-            </a:extLst>
-          </a:blip>
-          <a:srcRect/>
-          <a:stretch>
-            <a:fillRect/>
-          </a:stretch>
-        </p:blipFill>
-        <p:spPr bwMode="auto">
-          <a:xfrm>
-            <a:off x="1524000" y="1588"/>
-            <a:ext cx="9145588" cy="6858000"/>
-          </a:xfrm>
-          <a:prstGeom prst="rect">
-            <a:avLst/>
-          </a:prstGeom>
-          <a:noFill/>
-          <a:ln>
-            <a:noFill/>
-          </a:ln>
-          <a:effectLst/>
-          <a:extLst>
-            <a:ext uri="{909E8E84-426E-40DD-AFC4-6F175D3DCCD1}">
-              <a14:hiddenFill xmlns:a14="http://schemas.microsoft.com/office/drawing/2010/main">
-                <a:solidFill>
-                  <a:srgbClr val="FFFFFF"/>
-                </a:solidFill>
-              </a14:hiddenFill>
-            </a:ext>
-            <a:ext uri="{91240B29-F687-4F45-9708-019B960494DF}">
-              <a14:hiddenLine xmlns:a14="http://schemas.microsoft.com/office/drawing/2010/main" w="9525">
-                <a:solidFill>
-                  <a:srgbClr val="000000"/>
-                </a:solidFill>
-                <a:miter lim="800000"/>
-                <a:headEnd/>
-                <a:tailEnd/>
-              </a14:hiddenLine>
-            </a:ext>
-            <a:ext uri="{AF507438-7753-43E0-B8FC-AC1667EBCBE1}">
-              <a14:hiddenEffects xmlns:a14="http://schemas.microsoft.com/office/drawing/2010/main">
-                <a:effectLst>
-                  <a:outerShdw dist="35921" dir="2700000" algn="ctr" rotWithShape="0">
-                    <a:srgbClr val="808080"/>
-                  </a:outerShdw>
-                </a:effectLst>
-              </a14:hiddenEffects>
-            </a:ext>
-          </a:extLst>
-        </p:spPr>
-      </p:pic>
     </p:spTree>
   </p:cSld>
   <p:clrMapOvr>
     <a:masterClrMapping/>
   </p:clrMapOvr>
-  <p:timing>
-    <p:tnLst>
-      <p:par>
-        <p:cTn id="1" dur="indefinite" restart="never" nodeType="tmRoot">
-          <p:childTnLst>
-            <p:seq concurrent="1" nextAc="seek">
-              <p:cTn id="2" dur="indefinite" nodeType="mainSeq">
-                <p:childTnLst>
-                  <p:par>
-                    <p:cTn id="3" fill="hold" nodeType="clickPar">
-                      <p:stCondLst>
-                        <p:cond delay="indefinite"/>
-                      </p:stCondLst>
-                      <p:childTnLst>
-                        <p:par>
-                          <p:cTn id="4" fill="hold" nodeType="withGroup">
-                            <p:stCondLst>
-                              <p:cond delay="0"/>
-                            </p:stCondLst>
-                            <p:childTnLst>
-                              <p:par>
-                                <p:cTn id="5" presetID="10" presetClass="entr" presetSubtype="0" fill="hold" nodeType="clickEffect">
-                                  <p:stCondLst>
-                                    <p:cond delay="0"/>
-                                  </p:stCondLst>
-                                  <p:childTnLst>
-                                    <p:set>
-                                      <p:cBhvr>
-                                        <p:cTn id="6" dur="1" fill="hold">
-                                          <p:stCondLst>
-                                            <p:cond delay="0"/>
-                                          </p:stCondLst>
-                                        </p:cTn>
-                                        <p:tgtEl>
-                                          <p:spTgt spid="1135619"/>
-                                        </p:tgtEl>
-                                        <p:attrNameLst>
-                                          <p:attrName>style.visibility</p:attrName>
-                                        </p:attrNameLst>
-                                      </p:cBhvr>
-                                      <p:to>
-                                        <p:strVal val="visible"/>
-                                      </p:to>
-                                    </p:set>
-                                    <p:animEffect transition="in" filter="fade">
-                                      <p:cBhvr>
-                                        <p:cTn id="7" dur="500"/>
-                                        <p:tgtEl>
-                                          <p:spTgt spid="1135619"/>
-                                        </p:tgtEl>
-                                      </p:cBhvr>
-                                    </p:animEffect>
-                                  </p:childTnLst>
-                                </p:cTn>
-                              </p:par>
-                            </p:childTnLst>
-                          </p:cTn>
-                        </p:par>
-                      </p:childTnLst>
-                    </p:cTn>
-                  </p:par>
-                </p:childTnLst>
-              </p:cTn>
-              <p:prevCondLst>
-                <p:cond evt="onPrev" delay="0">
-                  <p:tgtEl>
-                    <p:sldTgt/>
-                  </p:tgtEl>
-                </p:cond>
-              </p:prevCondLst>
-              <p:nextCondLst>
-                <p:cond evt="onNext" delay="0">
-                  <p:tgtEl>
-                    <p:sldTgt/>
-                  </p:tgtEl>
-                </p:cond>
-              </p:nextCondLst>
-            </p:seq>
-          </p:childTnLst>
-        </p:cTn>
-      </p:par>
-    </p:tnLst>
-  </p:timing>
 </p:sld>
 </file>
 
